--- a/20150805-implementing_foreign_language_support.pptx
+++ b/20150805-implementing_foreign_language_support.pptx
@@ -6,10 +6,10 @@
     <p:sldMasterId id="2147483660" r:id="rId2"/>
   </p:sldMasterIdLst>
   <p:notesMasterIdLst>
-    <p:notesMasterId r:id="rId38"/>
+    <p:notesMasterId r:id="rId39"/>
   </p:notesMasterIdLst>
   <p:handoutMasterIdLst>
-    <p:handoutMasterId r:id="rId39"/>
+    <p:handoutMasterId r:id="rId40"/>
   </p:handoutMasterIdLst>
   <p:sldIdLst>
     <p:sldId id="256" r:id="rId3"/>
@@ -39,14 +39,15 @@
     <p:sldId id="318" r:id="rId27"/>
     <p:sldId id="319" r:id="rId28"/>
     <p:sldId id="308" r:id="rId29"/>
-    <p:sldId id="309" r:id="rId30"/>
-    <p:sldId id="282" r:id="rId31"/>
-    <p:sldId id="279" r:id="rId32"/>
-    <p:sldId id="320" r:id="rId33"/>
-    <p:sldId id="310" r:id="rId34"/>
-    <p:sldId id="311" r:id="rId35"/>
-    <p:sldId id="312" r:id="rId36"/>
-    <p:sldId id="283" r:id="rId37"/>
+    <p:sldId id="322" r:id="rId30"/>
+    <p:sldId id="309" r:id="rId31"/>
+    <p:sldId id="282" r:id="rId32"/>
+    <p:sldId id="279" r:id="rId33"/>
+    <p:sldId id="320" r:id="rId34"/>
+    <p:sldId id="310" r:id="rId35"/>
+    <p:sldId id="311" r:id="rId36"/>
+    <p:sldId id="312" r:id="rId37"/>
+    <p:sldId id="283" r:id="rId38"/>
   </p:sldIdLst>
   <p:sldSz cx="9144000" cy="6858000" type="screen4x3"/>
   <p:notesSz cx="6797675" cy="9926638"/>
@@ -230,7 +231,7 @@
           <a:p>
             <a:fld id="{740616EA-7DD0-4941-A75A-3667382BAFA7}" type="datetimeFigureOut">
               <a:rPr lang="en-AU" smtClean="0"/>
-              <a:t>3/08/2015</a:t>
+              <a:t>6/06/2016</a:t>
             </a:fld>
             <a:endParaRPr lang="en-AU"/>
           </a:p>
@@ -396,7 +397,7 @@
           <a:p>
             <a:fld id="{587278A0-4A02-4D4B-A8AB-1E1752F8063F}" type="datetimeFigureOut">
               <a:rPr lang="en-AU" smtClean="0"/>
-              <a:t>3/08/2015</a:t>
+              <a:t>6/06/2016</a:t>
             </a:fld>
             <a:endParaRPr lang="en-AU"/>
           </a:p>
@@ -3473,14 +3474,7 @@
           <a:bodyPr/>
           <a:lstStyle/>
           <a:p>
-            <a:endParaRPr lang="en-AU" sz="1200" kern="1200" dirty="0" smtClean="0">
-              <a:solidFill>
-                <a:schemeClr val="tx1"/>
-              </a:solidFill>
-              <a:latin typeface="+mn-lt"/>
-              <a:ea typeface="+mn-ea"/>
-              <a:cs typeface="+mn-cs"/>
-            </a:endParaRPr>
+            <a:endParaRPr lang="en-AU" dirty="0"/>
           </a:p>
         </p:txBody>
       </p:sp>
@@ -3529,7 +3523,7 @@
     </p:spTree>
     <p:extLst>
       <p:ext uri="{BB962C8B-B14F-4D97-AF65-F5344CB8AC3E}">
-        <p14:creationId xmlns:p14="http://schemas.microsoft.com/office/powerpoint/2010/main" val="4244155042"/>
+        <p14:creationId xmlns:p14="http://schemas.microsoft.com/office/powerpoint/2010/main" val="1162513949"/>
       </p:ext>
     </p:extLst>
   </p:cSld>
@@ -3583,7 +3577,14 @@
           <a:bodyPr/>
           <a:lstStyle/>
           <a:p>
-            <a:endParaRPr lang="en-AU" dirty="0"/>
+            <a:endParaRPr lang="en-AU" sz="1200" kern="1200" dirty="0" smtClean="0">
+              <a:solidFill>
+                <a:schemeClr val="tx1"/>
+              </a:solidFill>
+              <a:latin typeface="+mn-lt"/>
+              <a:ea typeface="+mn-ea"/>
+              <a:cs typeface="+mn-cs"/>
+            </a:endParaRPr>
           </a:p>
         </p:txBody>
       </p:sp>
@@ -3624,6 +3625,109 @@
             <a:fld id="{ABE5B237-D46E-4369-8BD7-541EBC30F64D}" type="slidenum">
               <a:rPr lang="en-AU" smtClean="0"/>
               <a:t>35</a:t>
+            </a:fld>
+            <a:endParaRPr lang="en-AU"/>
+          </a:p>
+        </p:txBody>
+      </p:sp>
+    </p:spTree>
+    <p:extLst>
+      <p:ext uri="{BB962C8B-B14F-4D97-AF65-F5344CB8AC3E}">
+        <p14:creationId xmlns:p14="http://schemas.microsoft.com/office/powerpoint/2010/main" val="4244155042"/>
+      </p:ext>
+    </p:extLst>
+  </p:cSld>
+  <p:clrMapOvr>
+    <a:masterClrMapping/>
+  </p:clrMapOvr>
+</p:notes>
+</file>
+
+<file path=ppt/notesSlides/notesSlide35.xml><?xml version="1.0" encoding="utf-8"?>
+<p:notes xmlns:a="http://schemas.openxmlformats.org/drawingml/2006/main" xmlns:r="http://schemas.openxmlformats.org/officeDocument/2006/relationships" xmlns:p="http://schemas.openxmlformats.org/presentationml/2006/main">
+  <p:cSld>
+    <p:spTree>
+      <p:nvGrpSpPr>
+        <p:cNvPr id="1" name=""/>
+        <p:cNvGrpSpPr/>
+        <p:nvPr/>
+      </p:nvGrpSpPr>
+      <p:grpSpPr>
+        <a:xfrm>
+          <a:off x="0" y="0"/>
+          <a:ext cx="0" cy="0"/>
+          <a:chOff x="0" y="0"/>
+          <a:chExt cx="0" cy="0"/>
+        </a:xfrm>
+      </p:grpSpPr>
+      <p:sp>
+        <p:nvSpPr>
+          <p:cNvPr id="2" name="Slide Image Placeholder 1"/>
+          <p:cNvSpPr>
+            <a:spLocks noGrp="1" noRot="1" noChangeAspect="1"/>
+          </p:cNvSpPr>
+          <p:nvPr>
+            <p:ph type="sldImg"/>
+          </p:nvPr>
+        </p:nvSpPr>
+        <p:spPr/>
+      </p:sp>
+      <p:sp>
+        <p:nvSpPr>
+          <p:cNvPr id="3" name="Notes Placeholder 2"/>
+          <p:cNvSpPr>
+            <a:spLocks noGrp="1"/>
+          </p:cNvSpPr>
+          <p:nvPr>
+            <p:ph type="body" idx="1"/>
+          </p:nvPr>
+        </p:nvSpPr>
+        <p:spPr/>
+        <p:txBody>
+          <a:bodyPr/>
+          <a:lstStyle/>
+          <a:p>
+            <a:endParaRPr lang="en-AU" dirty="0"/>
+          </a:p>
+        </p:txBody>
+      </p:sp>
+      <p:sp>
+        <p:nvSpPr>
+          <p:cNvPr id="4" name="Header Placeholder 3"/>
+          <p:cNvSpPr>
+            <a:spLocks noGrp="1"/>
+          </p:cNvSpPr>
+          <p:nvPr>
+            <p:ph type="hdr" sz="quarter" idx="10"/>
+          </p:nvPr>
+        </p:nvSpPr>
+        <p:spPr/>
+        <p:txBody>
+          <a:bodyPr/>
+          <a:lstStyle/>
+          <a:p>
+            <a:endParaRPr lang="en-AU"/>
+          </a:p>
+        </p:txBody>
+      </p:sp>
+      <p:sp>
+        <p:nvSpPr>
+          <p:cNvPr id="5" name="Slide Number Placeholder 4"/>
+          <p:cNvSpPr>
+            <a:spLocks noGrp="1"/>
+          </p:cNvSpPr>
+          <p:nvPr>
+            <p:ph type="sldNum" sz="quarter" idx="11"/>
+          </p:nvPr>
+        </p:nvSpPr>
+        <p:spPr/>
+        <p:txBody>
+          <a:bodyPr/>
+          <a:lstStyle/>
+          <a:p>
+            <a:fld id="{ABE5B237-D46E-4369-8BD7-541EBC30F64D}" type="slidenum">
+              <a:rPr lang="en-AU" smtClean="0"/>
+              <a:t>36</a:t>
             </a:fld>
             <a:endParaRPr lang="en-AU"/>
           </a:p>
@@ -5012,7 +5116,7 @@
           <a:p>
             <a:fld id="{0EAB0777-4C60-462E-A92C-CDAFD498799C}" type="datetimeFigureOut">
               <a:rPr lang="en-US" smtClean="0"/>
-              <a:t>8/3/2015</a:t>
+              <a:t>6/6/2016</a:t>
             </a:fld>
             <a:endParaRPr lang="en-US"/>
           </a:p>
@@ -5181,7 +5285,7 @@
           <a:p>
             <a:fld id="{0EAB0777-4C60-462E-A92C-CDAFD498799C}" type="datetimeFigureOut">
               <a:rPr lang="en-US" smtClean="0"/>
-              <a:t>8/3/2015</a:t>
+              <a:t>6/6/2016</a:t>
             </a:fld>
             <a:endParaRPr lang="en-US"/>
           </a:p>
@@ -5427,7 +5531,7 @@
           <a:p>
             <a:fld id="{0EAB0777-4C60-462E-A92C-CDAFD498799C}" type="datetimeFigureOut">
               <a:rPr lang="en-US" smtClean="0"/>
-              <a:t>8/3/2015</a:t>
+              <a:t>6/6/2016</a:t>
             </a:fld>
             <a:endParaRPr lang="en-US"/>
           </a:p>
@@ -5695,7 +5799,7 @@
           <a:p>
             <a:fld id="{0EAB0777-4C60-462E-A92C-CDAFD498799C}" type="datetimeFigureOut">
               <a:rPr lang="en-US" smtClean="0"/>
-              <a:t>8/3/2015</a:t>
+              <a:t>6/6/2016</a:t>
             </a:fld>
             <a:endParaRPr lang="en-US"/>
           </a:p>
@@ -6077,7 +6181,7 @@
           <a:p>
             <a:fld id="{0EAB0777-4C60-462E-A92C-CDAFD498799C}" type="datetimeFigureOut">
               <a:rPr lang="en-US" smtClean="0"/>
-              <a:t>8/3/2015</a:t>
+              <a:t>6/6/2016</a:t>
             </a:fld>
             <a:endParaRPr lang="en-US"/>
           </a:p>
@@ -6231,7 +6335,7 @@
           <a:p>
             <a:fld id="{0EAB0777-4C60-462E-A92C-CDAFD498799C}" type="datetimeFigureOut">
               <a:rPr lang="en-US" smtClean="0"/>
-              <a:t>8/3/2015</a:t>
+              <a:t>6/6/2016</a:t>
             </a:fld>
             <a:endParaRPr lang="en-US"/>
           </a:p>
@@ -6325,7 +6429,7 @@
           <a:p>
             <a:fld id="{0EAB0777-4C60-462E-A92C-CDAFD498799C}" type="datetimeFigureOut">
               <a:rPr lang="en-US" smtClean="0"/>
-              <a:t>8/3/2015</a:t>
+              <a:t>6/6/2016</a:t>
             </a:fld>
             <a:endParaRPr lang="en-US"/>
           </a:p>
@@ -6590,7 +6694,7 @@
           <a:p>
             <a:fld id="{0EAB0777-4C60-462E-A92C-CDAFD498799C}" type="datetimeFigureOut">
               <a:rPr lang="en-US" smtClean="0"/>
-              <a:t>8/3/2015</a:t>
+              <a:t>6/6/2016</a:t>
             </a:fld>
             <a:endParaRPr lang="en-US"/>
           </a:p>
@@ -7073,7 +7177,7 @@
           <a:p>
             <a:fld id="{0EAB0777-4C60-462E-A92C-CDAFD498799C}" type="datetimeFigureOut">
               <a:rPr lang="en-US" smtClean="0"/>
-              <a:t>8/3/2015</a:t>
+              <a:t>6/6/2016</a:t>
             </a:fld>
             <a:endParaRPr lang="en-US"/>
           </a:p>
@@ -7549,7 +7653,7 @@
           <a:p>
             <a:fld id="{0EAB0777-4C60-462E-A92C-CDAFD498799C}" type="datetimeFigureOut">
               <a:rPr lang="en-US" smtClean="0"/>
-              <a:t>8/3/2015</a:t>
+              <a:t>6/6/2016</a:t>
             </a:fld>
             <a:endParaRPr lang="en-US"/>
           </a:p>
@@ -7728,7 +7832,7 @@
           <a:p>
             <a:fld id="{0EAB0777-4C60-462E-A92C-CDAFD498799C}" type="datetimeFigureOut">
               <a:rPr lang="en-US" smtClean="0"/>
-              <a:t>8/3/2015</a:t>
+              <a:t>6/6/2016</a:t>
             </a:fld>
             <a:endParaRPr lang="en-US"/>
           </a:p>
@@ -10371,7 +10475,7 @@
           <a:p>
             <a:fld id="{0EAB0777-4C60-462E-A92C-CDAFD498799C}" type="datetimeFigureOut">
               <a:rPr lang="en-US" smtClean="0"/>
-              <a:t>8/3/2015</a:t>
+              <a:t>6/6/2016</a:t>
             </a:fld>
             <a:endParaRPr lang="en-US"/>
           </a:p>
@@ -11047,28 +11151,9 @@
           <a:p>
             <a:r>
               <a:rPr lang="en-US" dirty="0" smtClean="0"/>
-              <a:t>5</a:t>
-            </a:r>
-            <a:r>
-              <a:rPr lang="en-US" dirty="0" smtClean="0"/>
-              <a:t>-Aug-2015</a:t>
-            </a:r>
-          </a:p>
-          <a:p>
-            <a:pPr algn="ctr"/>
-            <a:r>
-              <a:rPr lang="en-US" dirty="0" smtClean="0">
-                <a:solidFill>
-                  <a:srgbClr val="002060"/>
-                </a:solidFill>
-              </a:rPr>
-              <a:t>(welcome to day 2)</a:t>
-            </a:r>
-            <a:endParaRPr lang="en-AU" dirty="0">
-              <a:solidFill>
-                <a:srgbClr val="002060"/>
-              </a:solidFill>
-            </a:endParaRPr>
+              <a:t>5-Aug-2015</a:t>
+            </a:r>
+            <a:endParaRPr lang="en-US" dirty="0" smtClean="0"/>
           </a:p>
         </p:txBody>
       </p:sp>
@@ -11176,11 +11261,7 @@
           <a:p>
             <a:r>
               <a:rPr lang="en-US" sz="2400" dirty="0" smtClean="0"/>
-              <a:t>1990s – Let’s use the </a:t>
-            </a:r>
-            <a:r>
-              <a:rPr lang="en-US" sz="2400" dirty="0" smtClean="0"/>
-              <a:t>8</a:t>
+              <a:t>1990s – Let’s use the 8</a:t>
             </a:r>
             <a:r>
               <a:rPr lang="en-US" sz="2400" baseline="30000" dirty="0" smtClean="0"/>
@@ -11192,11 +11273,7 @@
             </a:r>
             <a:r>
               <a:rPr lang="en-US" sz="2400" dirty="0" smtClean="0"/>
-              <a:t>bit </a:t>
-            </a:r>
-            <a:r>
-              <a:rPr lang="en-US" sz="2400" dirty="0" smtClean="0"/>
-              <a:t>for more characters – ISO-8859</a:t>
+              <a:t>bit for more characters – ISO-8859</a:t>
             </a:r>
           </a:p>
           <a:p>
@@ -11309,11 +11386,7 @@
                     <a:p>
                       <a:r>
                         <a:rPr lang="en-US" sz="1200" dirty="0" smtClean="0"/>
-                        <a:t>iso-8859-1 </a:t>
-                      </a:r>
-                      <a:r>
-                        <a:rPr lang="en-US" sz="1200" dirty="0" smtClean="0"/>
-                        <a:t>(“latin-1”)</a:t>
+                        <a:t>iso-8859-1 (“latin-1”)</a:t>
                       </a:r>
                       <a:endParaRPr lang="en-AU" sz="1200" dirty="0"/>
                     </a:p>
@@ -11343,11 +11416,7 @@
                     <a:p>
                       <a:r>
                         <a:rPr lang="en-US" sz="1200" dirty="0" smtClean="0"/>
-                        <a:t>iso-8859-2 </a:t>
-                      </a:r>
-                      <a:r>
-                        <a:rPr lang="en-US" sz="1200" dirty="0" smtClean="0"/>
-                        <a:t>(“latin-2”)</a:t>
+                        <a:t>iso-8859-2 (“latin-2”)</a:t>
                       </a:r>
                       <a:endParaRPr lang="en-AU" sz="1200" dirty="0"/>
                     </a:p>
@@ -11377,11 +11446,7 @@
                     <a:p>
                       <a:r>
                         <a:rPr lang="en-US" sz="1200" dirty="0" smtClean="0"/>
-                        <a:t>iso-8859-3 </a:t>
-                      </a:r>
-                      <a:r>
-                        <a:rPr lang="en-US" sz="1200" dirty="0" smtClean="0"/>
-                        <a:t>(“latin-3”)</a:t>
+                        <a:t>iso-8859-3 (“latin-3”)</a:t>
                       </a:r>
                       <a:endParaRPr lang="en-AU" sz="1200" dirty="0"/>
                     </a:p>
@@ -11411,11 +11476,7 @@
                     <a:p>
                       <a:r>
                         <a:rPr lang="en-US" sz="1200" dirty="0" smtClean="0"/>
-                        <a:t>iso-8859-4 </a:t>
-                      </a:r>
-                      <a:r>
-                        <a:rPr lang="en-US" sz="1200" dirty="0" smtClean="0"/>
-                        <a:t>(“latin-4”)</a:t>
+                        <a:t>iso-8859-4 (“latin-4”)</a:t>
                       </a:r>
                       <a:endParaRPr lang="en-AU" sz="1200" dirty="0"/>
                     </a:p>
@@ -11565,11 +11626,7 @@
                     <a:p>
                       <a:r>
                         <a:rPr lang="en-US" sz="1200" dirty="0" smtClean="0"/>
-                        <a:t>iso-8859-9 </a:t>
-                      </a:r>
-                      <a:r>
-                        <a:rPr lang="en-US" sz="1200" dirty="0" smtClean="0"/>
-                        <a:t>(“latin-5”)</a:t>
+                        <a:t>iso-8859-9 (“latin-5”)</a:t>
                       </a:r>
                       <a:endParaRPr lang="en-AU" sz="1200" dirty="0"/>
                     </a:p>
@@ -11599,11 +11656,7 @@
                     <a:p>
                       <a:r>
                         <a:rPr lang="en-US" sz="1200" dirty="0" smtClean="0"/>
-                        <a:t>iso-8859-10 </a:t>
-                      </a:r>
-                      <a:r>
-                        <a:rPr lang="en-US" sz="1200" dirty="0" smtClean="0"/>
-                        <a:t>(“latin-6”)</a:t>
+                        <a:t>iso-8859-10 (“latin-6”)</a:t>
                       </a:r>
                       <a:endParaRPr lang="en-AU" sz="1200" dirty="0"/>
                     </a:p>
@@ -11663,11 +11716,7 @@
                     <a:p>
                       <a:r>
                         <a:rPr lang="en-US" sz="1200" dirty="0" smtClean="0"/>
-                        <a:t>iso-8859-13 </a:t>
-                      </a:r>
-                      <a:r>
-                        <a:rPr lang="en-US" sz="1200" dirty="0" smtClean="0"/>
-                        <a:t>(“latin-7”)</a:t>
+                        <a:t>iso-8859-13 (“latin-7”)</a:t>
                       </a:r>
                       <a:endParaRPr lang="en-AU" sz="1200" dirty="0"/>
                     </a:p>
@@ -11714,11 +11763,7 @@
                       </a:pPr>
                       <a:r>
                         <a:rPr lang="en-US" sz="1200" dirty="0" smtClean="0"/>
-                        <a:t>iso-8859-14 </a:t>
-                      </a:r>
-                      <a:r>
-                        <a:rPr lang="en-US" sz="1200" dirty="0" smtClean="0"/>
-                        <a:t>(“latin-8”)</a:t>
+                        <a:t>iso-8859-14 (“latin-8”)</a:t>
                       </a:r>
                       <a:endParaRPr lang="en-AU" sz="1200" dirty="0" smtClean="0"/>
                     </a:p>
@@ -11765,11 +11810,7 @@
                       </a:pPr>
                       <a:r>
                         <a:rPr lang="en-US" sz="1200" dirty="0" smtClean="0"/>
-                        <a:t>iso-8859-15 </a:t>
-                      </a:r>
-                      <a:r>
-                        <a:rPr lang="en-US" sz="1200" dirty="0" smtClean="0"/>
-                        <a:t>(“latin-9”)</a:t>
+                        <a:t>iso-8859-15 (“latin-9”)</a:t>
                       </a:r>
                       <a:endParaRPr lang="en-AU" sz="1200" dirty="0" smtClean="0"/>
                     </a:p>
@@ -11820,11 +11861,7 @@
                       </a:pPr>
                       <a:r>
                         <a:rPr lang="en-US" sz="1200" dirty="0" smtClean="0"/>
-                        <a:t>iso-8859-16 </a:t>
-                      </a:r>
-                      <a:r>
-                        <a:rPr lang="en-US" sz="1200" dirty="0" smtClean="0"/>
-                        <a:t>(“latin-10”)</a:t>
+                        <a:t>iso-8859-16 (“latin-10”)</a:t>
                       </a:r>
                       <a:endParaRPr lang="en-AU" sz="1200" dirty="0" smtClean="0"/>
                     </a:p>
@@ -13036,7 +13073,15 @@
             <a:pPr lvl="2"/>
             <a:r>
               <a:rPr lang="en-US" sz="1600" dirty="0" smtClean="0"/>
-              <a:t>Also known as the Basic Multilingual Plan (BMP)</a:t>
+              <a:t>Also known as the Basic Multilingual </a:t>
+            </a:r>
+            <a:r>
+              <a:rPr lang="en-US" sz="1600" dirty="0" smtClean="0"/>
+              <a:t>Plane </a:t>
+            </a:r>
+            <a:r>
+              <a:rPr lang="en-US" sz="1600" dirty="0" smtClean="0"/>
+              <a:t>(BMP)</a:t>
             </a:r>
           </a:p>
           <a:p>
@@ -16081,11 +16126,7 @@
           <a:p>
             <a:r>
               <a:rPr lang="en-US" sz="3300" dirty="0" smtClean="0"/>
-              <a:t>Automatic translation to “jive</a:t>
-            </a:r>
-            <a:r>
-              <a:rPr lang="en-US" sz="3300" dirty="0" smtClean="0"/>
-              <a:t>”</a:t>
+              <a:t>Automatic translation to “jive”</a:t>
             </a:r>
           </a:p>
           <a:p>
@@ -16105,11 +16146,7 @@
             <a:pPr lvl="1"/>
             <a:r>
               <a:rPr lang="en-US" sz="2900" dirty="0" smtClean="0"/>
-              <a:t>Amusing</a:t>
-            </a:r>
-            <a:r>
-              <a:rPr lang="en-US" sz="2900" dirty="0" smtClean="0"/>
-              <a:t>, somewhat readable, doesn’t test non-7-bit data</a:t>
+              <a:t>Amusing, somewhat readable, doesn’t test non-7-bit data</a:t>
             </a:r>
           </a:p>
           <a:p>
@@ -16394,11 +16431,7 @@
           <a:p>
             <a:r>
               <a:rPr lang="en-US" sz="3100" dirty="0" smtClean="0"/>
-              <a:t>Custom character </a:t>
-            </a:r>
-            <a:r>
-              <a:rPr lang="en-US" sz="3100" dirty="0" smtClean="0"/>
-              <a:t>set</a:t>
+              <a:t>Custom character set</a:t>
             </a:r>
           </a:p>
           <a:p>
@@ -16414,11 +16447,7 @@
             <a:pPr lvl="1"/>
             <a:r>
               <a:rPr lang="en-US" sz="2900" dirty="0" smtClean="0"/>
-              <a:t>Solves </a:t>
-            </a:r>
-            <a:r>
-              <a:rPr lang="en-US" sz="2900" dirty="0" smtClean="0"/>
-              <a:t>most of the above issues</a:t>
+              <a:t>Solves most of the above issues</a:t>
             </a:r>
           </a:p>
           <a:p>
@@ -16645,11 +16674,7 @@
             <a:pPr lvl="1"/>
             <a:r>
               <a:rPr lang="en-US" sz="2900" dirty="0" smtClean="0"/>
-              <a:t>They should be capable of raising issues with ambiguity or </a:t>
-            </a:r>
-            <a:r>
-              <a:rPr lang="en-US" sz="2900" dirty="0" smtClean="0"/>
-              <a:t>jargon</a:t>
+              <a:t>They should be capable of raising issues with ambiguity or jargon</a:t>
             </a:r>
           </a:p>
           <a:p>
@@ -16658,7 +16683,6 @@
               <a:rPr lang="en-US" sz="2900" dirty="0" smtClean="0"/>
               <a:t>Not the receptionist or a friend…</a:t>
             </a:r>
-            <a:endParaRPr lang="en-US" sz="2900" dirty="0" smtClean="0"/>
           </a:p>
           <a:p>
             <a:r>
@@ -16843,6 +16867,194 @@
     </p:spTree>
     <p:extLst>
       <p:ext uri="{BB962C8B-B14F-4D97-AF65-F5344CB8AC3E}">
+        <p14:creationId xmlns:p14="http://schemas.microsoft.com/office/powerpoint/2010/main" val="1197481258"/>
+      </p:ext>
+    </p:extLst>
+  </p:cSld>
+  <p:clrMapOvr>
+    <a:masterClrMapping/>
+  </p:clrMapOvr>
+  <p:timing>
+    <p:tnLst>
+      <p:par>
+        <p:cTn id="1" dur="indefinite" restart="never" nodeType="tmRoot"/>
+      </p:par>
+    </p:tnLst>
+  </p:timing>
+</p:sld>
+</file>
+
+<file path=ppt/slides/slide29.xml><?xml version="1.0" encoding="utf-8"?>
+<p:sld xmlns:a="http://schemas.openxmlformats.org/drawingml/2006/main" xmlns:r="http://schemas.openxmlformats.org/officeDocument/2006/relationships" xmlns:p="http://schemas.openxmlformats.org/presentationml/2006/main">
+  <p:cSld>
+    <p:spTree>
+      <p:nvGrpSpPr>
+        <p:cNvPr id="1" name=""/>
+        <p:cNvGrpSpPr/>
+        <p:nvPr/>
+      </p:nvGrpSpPr>
+      <p:grpSpPr>
+        <a:xfrm>
+          <a:off x="0" y="0"/>
+          <a:ext cx="0" cy="0"/>
+          <a:chOff x="0" y="0"/>
+          <a:chExt cx="0" cy="0"/>
+        </a:xfrm>
+      </p:grpSpPr>
+      <p:sp>
+        <p:nvSpPr>
+          <p:cNvPr id="2" name="Title 1"/>
+          <p:cNvSpPr>
+            <a:spLocks noGrp="1"/>
+          </p:cNvSpPr>
+          <p:nvPr>
+            <p:ph type="title"/>
+          </p:nvPr>
+        </p:nvSpPr>
+        <p:spPr/>
+        <p:txBody>
+          <a:bodyPr>
+            <a:normAutofit fontScale="90000"/>
+          </a:bodyPr>
+          <a:lstStyle/>
+          <a:p>
+            <a:r>
+              <a:rPr lang="en-US" dirty="0" smtClean="0"/>
+              <a:t>What could possibly go wrong?</a:t>
+            </a:r>
+            <a:endParaRPr lang="en-AU" dirty="0"/>
+          </a:p>
+        </p:txBody>
+      </p:sp>
+      <p:sp>
+        <p:nvSpPr>
+          <p:cNvPr id="4" name="Footer Placeholder 3"/>
+          <p:cNvSpPr>
+            <a:spLocks noGrp="1"/>
+          </p:cNvSpPr>
+          <p:nvPr>
+            <p:ph type="ftr" sz="quarter" idx="11"/>
+          </p:nvPr>
+        </p:nvSpPr>
+        <p:spPr/>
+        <p:txBody>
+          <a:bodyPr/>
+          <a:lstStyle/>
+          <a:p>
+            <a:r>
+              <a:rPr lang="en-US" dirty="0" smtClean="0"/>
+              <a:t>This work is licensed under a Creative Commons Attribution 4.0 International License.</a:t>
+            </a:r>
+            <a:endParaRPr lang="en-AU" dirty="0"/>
+          </a:p>
+        </p:txBody>
+      </p:sp>
+      <p:pic>
+        <p:nvPicPr>
+          <p:cNvPr id="6" name="Picture 5"/>
+          <p:cNvPicPr>
+            <a:picLocks noChangeAspect="1"/>
+          </p:cNvPicPr>
+          <p:nvPr/>
+        </p:nvPicPr>
+        <p:blipFill>
+          <a:blip r:embed="rId3" cstate="print">
+            <a:extLst>
+              <a:ext uri="{28A0092B-C50C-407E-A947-70E740481C1C}">
+                <a14:useLocalDpi xmlns:a14="http://schemas.microsoft.com/office/drawing/2010/main" val="0"/>
+              </a:ext>
+            </a:extLst>
+          </a:blip>
+          <a:stretch>
+            <a:fillRect/>
+          </a:stretch>
+        </p:blipFill>
+        <p:spPr>
+          <a:xfrm>
+            <a:off x="1115616" y="908721"/>
+            <a:ext cx="6768751" cy="5073462"/>
+          </a:xfrm>
+          <a:prstGeom prst="rect">
+            <a:avLst/>
+          </a:prstGeom>
+        </p:spPr>
+      </p:pic>
+      <p:sp>
+        <p:nvSpPr>
+          <p:cNvPr id="7" name="Rounded Rectangular Callout 6"/>
+          <p:cNvSpPr/>
+          <p:nvPr/>
+        </p:nvSpPr>
+        <p:spPr>
+          <a:xfrm>
+            <a:off x="6084168" y="4725144"/>
+            <a:ext cx="2700300" cy="1735450"/>
+          </a:xfrm>
+          <a:prstGeom prst="wedgeRoundRectCallout">
+            <a:avLst>
+              <a:gd name="adj1" fmla="val -73881"/>
+              <a:gd name="adj2" fmla="val -98937"/>
+              <a:gd name="adj3" fmla="val 16667"/>
+            </a:avLst>
+          </a:prstGeom>
+          <a:solidFill>
+            <a:schemeClr val="accent6">
+              <a:lumMod val="75000"/>
+            </a:schemeClr>
+          </a:solidFill>
+          <a:ln>
+            <a:noFill/>
+          </a:ln>
+          <a:effectLst>
+            <a:outerShdw blurRad="44450" dist="27940" dir="5400000" algn="ctr">
+              <a:srgbClr val="000000">
+                <a:alpha val="32000"/>
+              </a:srgbClr>
+            </a:outerShdw>
+          </a:effectLst>
+          <a:scene3d>
+            <a:camera prst="orthographicFront">
+              <a:rot lat="0" lon="0" rev="0"/>
+            </a:camera>
+            <a:lightRig rig="balanced" dir="t">
+              <a:rot lat="0" lon="0" rev="8700000"/>
+            </a:lightRig>
+          </a:scene3d>
+          <a:sp3d>
+            <a:bevelT w="190500" h="38100"/>
+          </a:sp3d>
+        </p:spPr>
+        <p:style>
+          <a:lnRef idx="2">
+            <a:schemeClr val="accent1">
+              <a:shade val="50000"/>
+            </a:schemeClr>
+          </a:lnRef>
+          <a:fillRef idx="1">
+            <a:schemeClr val="accent1"/>
+          </a:fillRef>
+          <a:effectRef idx="0">
+            <a:schemeClr val="accent1"/>
+          </a:effectRef>
+          <a:fontRef idx="minor">
+            <a:schemeClr val="lt1"/>
+          </a:fontRef>
+        </p:style>
+        <p:txBody>
+          <a:bodyPr rtlCol="0" anchor="ctr"/>
+          <a:lstStyle/>
+          <a:p>
+            <a:pPr algn="ctr"/>
+            <a:r>
+              <a:rPr lang="en-AU" dirty="0"/>
+              <a:t>“I am not in the office at the moment. Send any work to be translated”</a:t>
+            </a:r>
+          </a:p>
+        </p:txBody>
+      </p:sp>
+    </p:spTree>
+    <p:extLst>
+      <p:ext uri="{BB962C8B-B14F-4D97-AF65-F5344CB8AC3E}">
         <p14:creationId xmlns:p14="http://schemas.microsoft.com/office/powerpoint/2010/main" val="350496923"/>
       </p:ext>
     </p:extLst>
@@ -16860,7 +17072,189 @@
 </p:sld>
 </file>
 
-<file path=ppt/slides/slide29.xml><?xml version="1.0" encoding="utf-8"?>
+<file path=ppt/slides/slide3.xml><?xml version="1.0" encoding="utf-8"?>
+<p:sld xmlns:a="http://schemas.openxmlformats.org/drawingml/2006/main" xmlns:r="http://schemas.openxmlformats.org/officeDocument/2006/relationships" xmlns:p="http://schemas.openxmlformats.org/presentationml/2006/main">
+  <p:cSld>
+    <p:spTree>
+      <p:nvGrpSpPr>
+        <p:cNvPr id="1" name=""/>
+        <p:cNvGrpSpPr/>
+        <p:nvPr/>
+      </p:nvGrpSpPr>
+      <p:grpSpPr>
+        <a:xfrm>
+          <a:off x="0" y="0"/>
+          <a:ext cx="0" cy="0"/>
+          <a:chOff x="0" y="0"/>
+          <a:chExt cx="0" cy="0"/>
+        </a:xfrm>
+      </p:grpSpPr>
+      <p:sp>
+        <p:nvSpPr>
+          <p:cNvPr id="2" name="Title 1"/>
+          <p:cNvSpPr>
+            <a:spLocks noGrp="1"/>
+          </p:cNvSpPr>
+          <p:nvPr>
+            <p:ph type="title"/>
+          </p:nvPr>
+        </p:nvSpPr>
+        <p:spPr/>
+        <p:txBody>
+          <a:bodyPr>
+            <a:normAutofit fontScale="90000"/>
+          </a:bodyPr>
+          <a:lstStyle/>
+          <a:p>
+            <a:r>
+              <a:rPr lang="en-US" dirty="0" smtClean="0"/>
+              <a:t>Background</a:t>
+            </a:r>
+            <a:endParaRPr lang="en-AU" dirty="0"/>
+          </a:p>
+        </p:txBody>
+      </p:sp>
+      <p:sp>
+        <p:nvSpPr>
+          <p:cNvPr id="3" name="Content Placeholder 2"/>
+          <p:cNvSpPr>
+            <a:spLocks noGrp="1"/>
+          </p:cNvSpPr>
+          <p:nvPr>
+            <p:ph idx="1"/>
+          </p:nvPr>
+        </p:nvSpPr>
+        <p:spPr/>
+        <p:txBody>
+          <a:bodyPr>
+            <a:normAutofit/>
+          </a:bodyPr>
+          <a:lstStyle/>
+          <a:p>
+            <a:r>
+              <a:rPr lang="en-US" sz="2400" dirty="0" smtClean="0"/>
+              <a:t>Goal: provide an application for use in other countries</a:t>
+            </a:r>
+          </a:p>
+          <a:p>
+            <a:pPr lvl="1"/>
+            <a:r>
+              <a:rPr lang="en-US" sz="2000" dirty="0" smtClean="0"/>
+              <a:t>Standalone software that is sold or distributed in another environment</a:t>
+            </a:r>
+          </a:p>
+          <a:p>
+            <a:pPr lvl="1"/>
+            <a:r>
+              <a:rPr lang="en-US" sz="2000" dirty="0" smtClean="0"/>
+              <a:t>Shared systems (“cloud”) that are used in multiple places</a:t>
+            </a:r>
+          </a:p>
+          <a:p>
+            <a:r>
+              <a:rPr lang="en-US" sz="2400" dirty="0" smtClean="0"/>
+              <a:t>Deployment has two phases:</a:t>
+            </a:r>
+            <a:endParaRPr lang="en-US" sz="2000" dirty="0" smtClean="0"/>
+          </a:p>
+          <a:p>
+            <a:pPr lvl="1"/>
+            <a:r>
+              <a:rPr lang="en-US" sz="2000" dirty="0" err="1" smtClean="0"/>
+              <a:t>Internationalisation</a:t>
+            </a:r>
+            <a:r>
+              <a:rPr lang="en-US" sz="2000" dirty="0" smtClean="0"/>
+              <a:t> (“I18n”)</a:t>
+            </a:r>
+          </a:p>
+          <a:p>
+            <a:pPr lvl="1"/>
+            <a:r>
+              <a:rPr lang="en-US" sz="2000" dirty="0" err="1" smtClean="0"/>
+              <a:t>Localisation</a:t>
+            </a:r>
+            <a:r>
+              <a:rPr lang="en-US" sz="2000" dirty="0" smtClean="0"/>
+              <a:t> (“</a:t>
+            </a:r>
+            <a:r>
+              <a:rPr lang="en-US" sz="2000" dirty="0" smtClean="0"/>
+              <a:t>L10n</a:t>
+            </a:r>
+            <a:r>
+              <a:rPr lang="en-US" sz="2000" dirty="0" smtClean="0"/>
+              <a:t>”)</a:t>
+            </a:r>
+          </a:p>
+          <a:p>
+            <a:r>
+              <a:rPr lang="en-US" sz="2400" dirty="0" smtClean="0"/>
+              <a:t>As software developers, we are mainly concerned about i18n</a:t>
+            </a:r>
+          </a:p>
+          <a:p>
+            <a:endParaRPr lang="en-US" sz="2400" dirty="0"/>
+          </a:p>
+          <a:p>
+            <a:endParaRPr lang="en-US" sz="2000" dirty="0" smtClean="0"/>
+          </a:p>
+          <a:p>
+            <a:endParaRPr lang="en-US" sz="2400" dirty="0" smtClean="0"/>
+          </a:p>
+          <a:p>
+            <a:pPr lvl="1"/>
+            <a:endParaRPr lang="en-US" sz="2000" dirty="0" smtClean="0"/>
+          </a:p>
+          <a:p>
+            <a:endParaRPr lang="en-US" sz="2400" dirty="0" smtClean="0"/>
+          </a:p>
+        </p:txBody>
+      </p:sp>
+      <p:sp>
+        <p:nvSpPr>
+          <p:cNvPr id="4" name="Footer Placeholder 3"/>
+          <p:cNvSpPr>
+            <a:spLocks noGrp="1"/>
+          </p:cNvSpPr>
+          <p:nvPr>
+            <p:ph type="ftr" sz="quarter" idx="11"/>
+          </p:nvPr>
+        </p:nvSpPr>
+        <p:spPr/>
+        <p:txBody>
+          <a:bodyPr/>
+          <a:lstStyle/>
+          <a:p>
+            <a:r>
+              <a:rPr lang="en-US" smtClean="0"/>
+              <a:t>This work is licensed under a Creative Commons Attribution 4.0 International License.</a:t>
+            </a:r>
+            <a:endParaRPr lang="en-AU" dirty="0"/>
+          </a:p>
+        </p:txBody>
+      </p:sp>
+    </p:spTree>
+    <p:extLst>
+      <p:ext uri="{BB962C8B-B14F-4D97-AF65-F5344CB8AC3E}">
+        <p14:creationId xmlns:p14="http://schemas.microsoft.com/office/powerpoint/2010/main" val="193065455"/>
+      </p:ext>
+    </p:extLst>
+  </p:cSld>
+  <p:clrMapOvr>
+    <a:masterClrMapping/>
+  </p:clrMapOvr>
+  <p:timing>
+    <p:tnLst>
+      <p:par>
+        <p:cTn id="1" dur="indefinite" restart="never" nodeType="tmRoot"/>
+      </p:par>
+    </p:tnLst>
+  </p:timing>
+</p:sld>
+</file>
+
+<file path=ppt/slides/slide30.xml><?xml version="1.0" encoding="utf-8"?>
 <p:sld xmlns:a="http://schemas.openxmlformats.org/drawingml/2006/main" xmlns:r="http://schemas.openxmlformats.org/officeDocument/2006/relationships" xmlns:p="http://schemas.openxmlformats.org/presentationml/2006/main">
   <p:cSld>
     <p:bg>
@@ -16989,181 +17383,7 @@
 </p:sld>
 </file>
 
-<file path=ppt/slides/slide3.xml><?xml version="1.0" encoding="utf-8"?>
-<p:sld xmlns:a="http://schemas.openxmlformats.org/drawingml/2006/main" xmlns:r="http://schemas.openxmlformats.org/officeDocument/2006/relationships" xmlns:p="http://schemas.openxmlformats.org/presentationml/2006/main">
-  <p:cSld>
-    <p:spTree>
-      <p:nvGrpSpPr>
-        <p:cNvPr id="1" name=""/>
-        <p:cNvGrpSpPr/>
-        <p:nvPr/>
-      </p:nvGrpSpPr>
-      <p:grpSpPr>
-        <a:xfrm>
-          <a:off x="0" y="0"/>
-          <a:ext cx="0" cy="0"/>
-          <a:chOff x="0" y="0"/>
-          <a:chExt cx="0" cy="0"/>
-        </a:xfrm>
-      </p:grpSpPr>
-      <p:sp>
-        <p:nvSpPr>
-          <p:cNvPr id="2" name="Title 1"/>
-          <p:cNvSpPr>
-            <a:spLocks noGrp="1"/>
-          </p:cNvSpPr>
-          <p:nvPr>
-            <p:ph type="title"/>
-          </p:nvPr>
-        </p:nvSpPr>
-        <p:spPr/>
-        <p:txBody>
-          <a:bodyPr>
-            <a:normAutofit fontScale="90000"/>
-          </a:bodyPr>
-          <a:lstStyle/>
-          <a:p>
-            <a:r>
-              <a:rPr lang="en-US" dirty="0" smtClean="0"/>
-              <a:t>Background</a:t>
-            </a:r>
-            <a:endParaRPr lang="en-AU" dirty="0"/>
-          </a:p>
-        </p:txBody>
-      </p:sp>
-      <p:sp>
-        <p:nvSpPr>
-          <p:cNvPr id="3" name="Content Placeholder 2"/>
-          <p:cNvSpPr>
-            <a:spLocks noGrp="1"/>
-          </p:cNvSpPr>
-          <p:nvPr>
-            <p:ph idx="1"/>
-          </p:nvPr>
-        </p:nvSpPr>
-        <p:spPr/>
-        <p:txBody>
-          <a:bodyPr>
-            <a:normAutofit/>
-          </a:bodyPr>
-          <a:lstStyle/>
-          <a:p>
-            <a:r>
-              <a:rPr lang="en-US" sz="2400" dirty="0" smtClean="0"/>
-              <a:t>Goal: provide an application for use in other countries</a:t>
-            </a:r>
-          </a:p>
-          <a:p>
-            <a:pPr lvl="1"/>
-            <a:r>
-              <a:rPr lang="en-US" sz="2000" dirty="0" smtClean="0"/>
-              <a:t>Standalone software that is sold or distributed in another environment</a:t>
-            </a:r>
-          </a:p>
-          <a:p>
-            <a:pPr lvl="1"/>
-            <a:r>
-              <a:rPr lang="en-US" sz="2000" dirty="0" smtClean="0"/>
-              <a:t>Shared systems (“cloud”) that are used in multiple places</a:t>
-            </a:r>
-          </a:p>
-          <a:p>
-            <a:r>
-              <a:rPr lang="en-US" sz="2400" dirty="0" smtClean="0"/>
-              <a:t>Deployment has two phases:</a:t>
-            </a:r>
-            <a:endParaRPr lang="en-US" sz="2000" dirty="0" smtClean="0"/>
-          </a:p>
-          <a:p>
-            <a:pPr lvl="1"/>
-            <a:r>
-              <a:rPr lang="en-US" sz="2000" dirty="0" err="1" smtClean="0"/>
-              <a:t>Internationalisation</a:t>
-            </a:r>
-            <a:r>
-              <a:rPr lang="en-US" sz="2000" dirty="0" smtClean="0"/>
-              <a:t> (“I18n”)</a:t>
-            </a:r>
-          </a:p>
-          <a:p>
-            <a:pPr lvl="1"/>
-            <a:r>
-              <a:rPr lang="en-US" sz="2000" dirty="0" err="1" smtClean="0"/>
-              <a:t>Localisation</a:t>
-            </a:r>
-            <a:r>
-              <a:rPr lang="en-US" sz="2000" dirty="0" smtClean="0"/>
-              <a:t> (“L18n”)</a:t>
-            </a:r>
-          </a:p>
-          <a:p>
-            <a:r>
-              <a:rPr lang="en-US" sz="2400" dirty="0" smtClean="0"/>
-              <a:t>As software developers, we are mainly concerned about i18n</a:t>
-            </a:r>
-          </a:p>
-          <a:p>
-            <a:endParaRPr lang="en-US" sz="2400" dirty="0"/>
-          </a:p>
-          <a:p>
-            <a:endParaRPr lang="en-US" sz="2000" dirty="0" smtClean="0"/>
-          </a:p>
-          <a:p>
-            <a:endParaRPr lang="en-US" sz="2400" dirty="0" smtClean="0"/>
-          </a:p>
-          <a:p>
-            <a:pPr lvl="1"/>
-            <a:endParaRPr lang="en-US" sz="2000" dirty="0" smtClean="0"/>
-          </a:p>
-          <a:p>
-            <a:endParaRPr lang="en-US" sz="2400" dirty="0" smtClean="0"/>
-          </a:p>
-        </p:txBody>
-      </p:sp>
-      <p:sp>
-        <p:nvSpPr>
-          <p:cNvPr id="4" name="Footer Placeholder 3"/>
-          <p:cNvSpPr>
-            <a:spLocks noGrp="1"/>
-          </p:cNvSpPr>
-          <p:nvPr>
-            <p:ph type="ftr" sz="quarter" idx="11"/>
-          </p:nvPr>
-        </p:nvSpPr>
-        <p:spPr/>
-        <p:txBody>
-          <a:bodyPr/>
-          <a:lstStyle/>
-          <a:p>
-            <a:r>
-              <a:rPr lang="en-US" smtClean="0"/>
-              <a:t>This work is licensed under a Creative Commons Attribution 4.0 International License.</a:t>
-            </a:r>
-            <a:endParaRPr lang="en-AU" dirty="0"/>
-          </a:p>
-        </p:txBody>
-      </p:sp>
-    </p:spTree>
-    <p:extLst>
-      <p:ext uri="{BB962C8B-B14F-4D97-AF65-F5344CB8AC3E}">
-        <p14:creationId xmlns:p14="http://schemas.microsoft.com/office/powerpoint/2010/main" val="193065455"/>
-      </p:ext>
-    </p:extLst>
-  </p:cSld>
-  <p:clrMapOvr>
-    <a:masterClrMapping/>
-  </p:clrMapOvr>
-  <p:timing>
-    <p:tnLst>
-      <p:par>
-        <p:cTn id="1" dur="indefinite" restart="never" nodeType="tmRoot"/>
-      </p:par>
-    </p:tnLst>
-  </p:timing>
-</p:sld>
-</file>
-
-<file path=ppt/slides/slide30.xml><?xml version="1.0" encoding="utf-8"?>
+<file path=ppt/slides/slide31.xml><?xml version="1.0" encoding="utf-8"?>
 <p:sld xmlns:a="http://schemas.openxmlformats.org/drawingml/2006/main" xmlns:r="http://schemas.openxmlformats.org/officeDocument/2006/relationships" xmlns:p="http://schemas.openxmlformats.org/presentationml/2006/main">
   <p:cSld>
     <p:spTree>
@@ -17299,7 +17519,7 @@
 </p:sld>
 </file>
 
-<file path=ppt/slides/slide31.xml><?xml version="1.0" encoding="utf-8"?>
+<file path=ppt/slides/slide32.xml><?xml version="1.0" encoding="utf-8"?>
 <p:sld xmlns:a="http://schemas.openxmlformats.org/drawingml/2006/main" xmlns:r="http://schemas.openxmlformats.org/officeDocument/2006/relationships" xmlns:p="http://schemas.openxmlformats.org/presentationml/2006/main">
   <p:cSld>
     <p:spTree>
@@ -17523,7 +17743,7 @@
 </p:sld>
 </file>
 
-<file path=ppt/slides/slide32.xml><?xml version="1.0" encoding="utf-8"?>
+<file path=ppt/slides/slide33.xml><?xml version="1.0" encoding="utf-8"?>
 <p:sld xmlns:a="http://schemas.openxmlformats.org/drawingml/2006/main" xmlns:r="http://schemas.openxmlformats.org/officeDocument/2006/relationships" xmlns:p="http://schemas.openxmlformats.org/presentationml/2006/main">
   <p:cSld>
     <p:spTree>
@@ -17747,7 +17967,7 @@
 </p:sld>
 </file>
 
-<file path=ppt/slides/slide33.xml><?xml version="1.0" encoding="utf-8"?>
+<file path=ppt/slides/slide34.xml><?xml version="1.0" encoding="utf-8"?>
 <p:sld xmlns:a="http://schemas.openxmlformats.org/drawingml/2006/main" xmlns:r="http://schemas.openxmlformats.org/officeDocument/2006/relationships" xmlns:p="http://schemas.openxmlformats.org/presentationml/2006/main">
   <p:cSld>
     <p:spTree>
@@ -17971,7 +18191,7 @@
 </p:sld>
 </file>
 
-<file path=ppt/slides/slide34.xml><?xml version="1.0" encoding="utf-8"?>
+<file path=ppt/slides/slide35.xml><?xml version="1.0" encoding="utf-8"?>
 <p:sld xmlns:a="http://schemas.openxmlformats.org/drawingml/2006/main" xmlns:r="http://schemas.openxmlformats.org/officeDocument/2006/relationships" xmlns:p="http://schemas.openxmlformats.org/presentationml/2006/main">
   <p:cSld>
     <p:spTree>
@@ -18044,11 +18264,7 @@
           <a:p>
             <a:r>
               <a:rPr lang="en-US" sz="2400" dirty="0" smtClean="0"/>
-              <a:t>Time-zone</a:t>
-            </a:r>
-            <a:r>
-              <a:rPr lang="en-US" sz="2400" dirty="0" smtClean="0"/>
-              <a:t>, currency</a:t>
+              <a:t>Time-zone, currency</a:t>
             </a:r>
           </a:p>
           <a:p>
@@ -18060,13 +18276,8 @@
           <a:p>
             <a:r>
               <a:rPr lang="en-US" sz="2400" dirty="0" smtClean="0"/>
-              <a:t>Identification issues (</a:t>
-            </a:r>
-            <a:r>
-              <a:rPr lang="en-US" sz="2400" dirty="0" smtClean="0"/>
-              <a:t>name/address/phone/titles/etc.)</a:t>
-            </a:r>
-            <a:endParaRPr lang="en-US" sz="2400" dirty="0" smtClean="0"/>
+              <a:t>Identification issues (name/address/phone/titles/etc.)</a:t>
+            </a:r>
           </a:p>
           <a:p>
             <a:r>
@@ -18267,7 +18478,7 @@
 </p:sld>
 </file>
 
-<file path=ppt/slides/slide35.xml><?xml version="1.0" encoding="utf-8"?>
+<file path=ppt/slides/slide36.xml><?xml version="1.0" encoding="utf-8"?>
 <p:sld xmlns:a="http://schemas.openxmlformats.org/drawingml/2006/main" xmlns:r="http://schemas.openxmlformats.org/officeDocument/2006/relationships" xmlns:p="http://schemas.openxmlformats.org/presentationml/2006/main">
   <p:cSld>
     <p:spTree>
@@ -18492,11 +18703,7 @@
           <a:p>
             <a:r>
               <a:rPr lang="en-US" sz="2400" dirty="0" smtClean="0"/>
-              <a:t>Time-zone</a:t>
-            </a:r>
-            <a:r>
-              <a:rPr lang="en-US" sz="2400" dirty="0" smtClean="0"/>
-              <a:t>, currency</a:t>
+              <a:t>Time-zone, currency</a:t>
             </a:r>
           </a:p>
           <a:p>
@@ -18508,13 +18715,8 @@
           <a:p>
             <a:r>
               <a:rPr lang="en-US" sz="2400" dirty="0" smtClean="0"/>
-              <a:t>Identification issues (</a:t>
-            </a:r>
-            <a:r>
-              <a:rPr lang="en-US" sz="2400" dirty="0" smtClean="0"/>
-              <a:t>name/address/phone/titles/etc.)</a:t>
-            </a:r>
-            <a:endParaRPr lang="en-US" sz="2400" dirty="0" smtClean="0"/>
+              <a:t>Identification issues (name/address/phone/titles/etc.)</a:t>
+            </a:r>
           </a:p>
           <a:p>
             <a:r>
@@ -18695,17 +18897,7 @@
                   </a:schemeClr>
                 </a:solidFill>
               </a:rPr>
-              <a:t>Time-zone</a:t>
-            </a:r>
-            <a:r>
-              <a:rPr lang="en-US" sz="2400" dirty="0" smtClean="0">
-                <a:solidFill>
-                  <a:schemeClr val="bg1">
-                    <a:lumMod val="65000"/>
-                  </a:schemeClr>
-                </a:solidFill>
-              </a:rPr>
-              <a:t>, currency</a:t>
+              <a:t>Time-zone, currency</a:t>
             </a:r>
           </a:p>
           <a:p>
@@ -18729,25 +18921,8 @@
                   </a:schemeClr>
                 </a:solidFill>
               </a:rPr>
-              <a:t>Identification issues (</a:t>
-            </a:r>
-            <a:r>
-              <a:rPr lang="en-US" sz="2400" dirty="0" smtClean="0">
-                <a:solidFill>
-                  <a:schemeClr val="bg1">
-                    <a:lumMod val="65000"/>
-                  </a:schemeClr>
-                </a:solidFill>
-              </a:rPr>
-              <a:t>name/address/phone/titles/etc.)</a:t>
-            </a:r>
-            <a:endParaRPr lang="en-US" sz="2400" dirty="0" smtClean="0">
-              <a:solidFill>
-                <a:schemeClr val="bg1">
-                  <a:lumMod val="65000"/>
-                </a:schemeClr>
-              </a:solidFill>
-            </a:endParaRPr>
+              <a:t>Identification issues (name/address/phone/titles/etc.)</a:t>
+            </a:r>
           </a:p>
           <a:p>
             <a:r>
